--- a/MD-images/Architecture.pptx
+++ b/MD-images/Architecture.pptx
@@ -215,7 +215,7 @@
           <a:p>
             <a:fld id="{0B55950F-0AA3-A645-9FE0-111191090E15}" type="datetimeFigureOut">
               <a:rPr lang="fr-FR" smtClean="0"/>
-              <a:t>22/03/2019</a:t>
+              <a:t>01/04/2019</a:t>
             </a:fld>
             <a:endParaRPr/>
           </a:p>
@@ -1471,7 +1471,7 @@
           <p:cNvPr id="40" name="Group 39">
             <a:extLst>
               <a:ext uri="{FF2B5EF4-FFF2-40B4-BE49-F238E27FC236}">
-                <a16:creationId xmlns="" xmlns:a16="http://schemas.microsoft.com/office/drawing/2014/main" id="{0FC61935-69E8-0D48-9869-2042EA768B4E}"/>
+                <a16:creationId xmlns:a16="http://schemas.microsoft.com/office/drawing/2014/main" xmlns="" id="{0FC61935-69E8-0D48-9869-2042EA768B4E}"/>
               </a:ext>
             </a:extLst>
           </p:cNvPr>
@@ -2366,7 +2366,7 @@
           <p:cNvPr id="111" name="Group 110">
             <a:extLst>
               <a:ext uri="{FF2B5EF4-FFF2-40B4-BE49-F238E27FC236}">
-                <a16:creationId xmlns="" xmlns:a16="http://schemas.microsoft.com/office/drawing/2014/main" id="{C991CC56-222A-1047-A782-E2E78791267A}"/>
+                <a16:creationId xmlns:a16="http://schemas.microsoft.com/office/drawing/2014/main" xmlns="" id="{C991CC56-222A-1047-A782-E2E78791267A}"/>
               </a:ext>
             </a:extLst>
           </p:cNvPr>
@@ -2727,7 +2727,7 @@
           <p:cNvPr id="110" name="Group 109">
             <a:extLst>
               <a:ext uri="{FF2B5EF4-FFF2-40B4-BE49-F238E27FC236}">
-                <a16:creationId xmlns="" xmlns:a16="http://schemas.microsoft.com/office/drawing/2014/main" id="{FF6A4A7B-D9CE-8B41-98C7-85976BBA9921}"/>
+                <a16:creationId xmlns:a16="http://schemas.microsoft.com/office/drawing/2014/main" xmlns="" id="{FF6A4A7B-D9CE-8B41-98C7-85976BBA9921}"/>
               </a:ext>
             </a:extLst>
           </p:cNvPr>
@@ -3173,7 +3173,7 @@
           <p:cNvPr id="112" name="Group 111">
             <a:extLst>
               <a:ext uri="{FF2B5EF4-FFF2-40B4-BE49-F238E27FC236}">
-                <a16:creationId xmlns="" xmlns:a16="http://schemas.microsoft.com/office/drawing/2014/main" id="{18774853-3A98-6C42-B713-696433D20BF3}"/>
+                <a16:creationId xmlns:a16="http://schemas.microsoft.com/office/drawing/2014/main" xmlns="" id="{18774853-3A98-6C42-B713-696433D20BF3}"/>
               </a:ext>
             </a:extLst>
           </p:cNvPr>
@@ -5887,7 +5887,7 @@
           <p:cNvPr id="26" name="Object 1">
             <a:extLst>
               <a:ext uri="{FF2B5EF4-FFF2-40B4-BE49-F238E27FC236}">
-                <a16:creationId xmlns="" xmlns:a16="http://schemas.microsoft.com/office/drawing/2014/main" id="{BA4EC87C-C621-394A-BD09-A5478FB214F6}"/>
+                <a16:creationId xmlns:a16="http://schemas.microsoft.com/office/drawing/2014/main" xmlns="" id="{BA4EC87C-C621-394A-BD09-A5478FB214F6}"/>
               </a:ext>
             </a:extLst>
           </p:cNvPr>
@@ -5896,7 +5896,7 @@
         </p:nvSpPr>
         <p:spPr>
           <a:xfrm>
-            <a:off x="76200" y="369405"/>
+            <a:off x="76200" y="732865"/>
             <a:ext cx="672245" cy="184666"/>
           </a:xfrm>
           <a:prstGeom prst="rect">
@@ -6020,7 +6020,7 @@
           <p:cNvPr id="51" name="Object 2">
             <a:extLst>
               <a:ext uri="{FF2B5EF4-FFF2-40B4-BE49-F238E27FC236}">
-                <a16:creationId xmlns="" xmlns:a16="http://schemas.microsoft.com/office/drawing/2014/main" id="{CA015B6E-0BC4-C74F-AB75-0C35952510ED}"/>
+                <a16:creationId xmlns:a16="http://schemas.microsoft.com/office/drawing/2014/main" xmlns="" id="{CA015B6E-0BC4-C74F-AB75-0C35952510ED}"/>
               </a:ext>
             </a:extLst>
           </p:cNvPr>
@@ -6029,8 +6029,8 @@
         </p:nvSpPr>
         <p:spPr>
           <a:xfrm flipH="1">
-            <a:off x="1633255" y="369405"/>
-            <a:ext cx="0" cy="1896813"/>
+            <a:off x="1633255" y="732865"/>
+            <a:ext cx="0" cy="1533353"/>
           </a:xfrm>
           <a:prstGeom prst="line">
             <a:avLst/>
@@ -6056,7 +6056,7 @@
           <p:cNvPr id="53" name="Object 6">
             <a:extLst>
               <a:ext uri="{FF2B5EF4-FFF2-40B4-BE49-F238E27FC236}">
-                <a16:creationId xmlns="" xmlns:a16="http://schemas.microsoft.com/office/drawing/2014/main" id="{9024C893-F040-C849-B0C2-FAB89F5BE41C}"/>
+                <a16:creationId xmlns:a16="http://schemas.microsoft.com/office/drawing/2014/main" xmlns="" id="{9024C893-F040-C849-B0C2-FAB89F5BE41C}"/>
               </a:ext>
             </a:extLst>
           </p:cNvPr>
@@ -6187,7 +6187,7 @@
           <p:cNvPr id="54" name="Object 3">
             <a:extLst>
               <a:ext uri="{FF2B5EF4-FFF2-40B4-BE49-F238E27FC236}">
-                <a16:creationId xmlns="" xmlns:a16="http://schemas.microsoft.com/office/drawing/2014/main" id="{55A795D5-AB18-3646-B894-C511CB109E7C}"/>
+                <a16:creationId xmlns:a16="http://schemas.microsoft.com/office/drawing/2014/main" xmlns="" id="{55A795D5-AB18-3646-B894-C511CB109E7C}"/>
               </a:ext>
             </a:extLst>
           </p:cNvPr>
@@ -6196,7 +6196,7 @@
         </p:nvSpPr>
         <p:spPr>
           <a:xfrm>
-            <a:off x="2286000" y="361950"/>
+            <a:off x="2083605" y="717632"/>
             <a:ext cx="609167" cy="184666"/>
           </a:xfrm>
           <a:prstGeom prst="rect">
@@ -6323,7 +6323,7 @@
         </p:nvSpPr>
         <p:spPr>
           <a:xfrm>
-            <a:off x="3345415" y="2179698"/>
+            <a:off x="3246932" y="1771328"/>
             <a:ext cx="457200" cy="457200"/>
           </a:xfrm>
           <a:prstGeom prst="ellipse">
@@ -6348,7 +6348,7 @@
         </p:nvSpPr>
         <p:spPr>
           <a:xfrm>
-            <a:off x="3176010" y="2695985"/>
+            <a:off x="3077527" y="2287615"/>
             <a:ext cx="868680" cy="184666"/>
           </a:xfrm>
           <a:prstGeom prst="rect">
@@ -6422,7 +6422,7 @@
         </p:blipFill>
         <p:spPr>
           <a:xfrm>
-            <a:off x="3455626" y="2271138"/>
+            <a:off x="3349192" y="1862768"/>
             <a:ext cx="274320" cy="274320"/>
           </a:xfrm>
           <a:prstGeom prst="rect">
@@ -6585,20 +6585,20 @@
       </p:sp>
       <p:sp>
         <p:nvSpPr>
-          <p:cNvPr id="93" name="Rectangle 92"/>
-          <p:cNvSpPr/>
-          <p:nvPr/>
-        </p:nvSpPr>
-        <p:spPr>
-          <a:xfrm>
-            <a:off x="2291301" y="1352550"/>
-            <a:ext cx="4866198" cy="2270368"/>
-          </a:xfrm>
-          <a:prstGeom prst="rect">
-            <a:avLst/>
-          </a:prstGeom>
-          <a:noFill/>
-          <a:ln w="0">
+          <p:cNvPr id="94" name="Rectangle 93"/>
+          <p:cNvSpPr/>
+          <p:nvPr/>
+        </p:nvSpPr>
+        <p:spPr>
+          <a:xfrm>
+            <a:off x="2093032" y="1176618"/>
+            <a:ext cx="4502749" cy="2753655"/>
+          </a:xfrm>
+          <a:prstGeom prst="rect">
+            <a:avLst/>
+          </a:prstGeom>
+          <a:noFill/>
+          <a:ln w="12700">
             <a:solidFill>
               <a:srgbClr val="646365"/>
             </a:solidFill>
@@ -6632,13 +6632,49 @@
       </p:sp>
       <p:sp>
         <p:nvSpPr>
-          <p:cNvPr id="75" name="Object 95"/>
-          <p:cNvSpPr/>
-          <p:nvPr/>
-        </p:nvSpPr>
-        <p:spPr>
-          <a:xfrm>
-            <a:off x="4460079" y="3385236"/>
+          <p:cNvPr id="98" name="Object 2">
+            <a:extLst>
+              <a:ext uri="{FF2B5EF4-FFF2-40B4-BE49-F238E27FC236}">
+                <a16:creationId xmlns:a16="http://schemas.microsoft.com/office/drawing/2014/main" xmlns="" id="{CA015B6E-0BC4-C74F-AB75-0C35952510ED}"/>
+              </a:ext>
+            </a:extLst>
+          </p:cNvPr>
+          <p:cNvSpPr/>
+          <p:nvPr/>
+        </p:nvSpPr>
+        <p:spPr>
+          <a:xfrm flipH="1">
+            <a:off x="1633255" y="2592050"/>
+            <a:ext cx="0" cy="1395004"/>
+          </a:xfrm>
+          <a:prstGeom prst="line">
+            <a:avLst/>
+          </a:prstGeom>
+          <a:noFill/>
+          <a:ln w="19050">
+            <a:solidFill>
+              <a:srgbClr val="646365"/>
+            </a:solidFill>
+            <a:prstDash val="solid"/>
+          </a:ln>
+        </p:spPr>
+        <p:txBody>
+          <a:bodyPr/>
+          <a:lstStyle/>
+          <a:p>
+            <a:endParaRPr lang="en-US"/>
+          </a:p>
+        </p:txBody>
+      </p:sp>
+      <p:sp>
+        <p:nvSpPr>
+          <p:cNvPr id="55" name="Object 95"/>
+          <p:cNvSpPr/>
+          <p:nvPr/>
+        </p:nvSpPr>
+        <p:spPr>
+          <a:xfrm>
+            <a:off x="5478843" y="2176922"/>
             <a:ext cx="457200" cy="457200"/>
           </a:xfrm>
           <a:prstGeom prst="ellipse">
@@ -6657,14 +6693,14 @@
       </p:sp>
       <p:sp>
         <p:nvSpPr>
-          <p:cNvPr id="79" name="Object 3"/>
-          <p:cNvSpPr/>
-          <p:nvPr/>
-        </p:nvSpPr>
-        <p:spPr>
-          <a:xfrm>
-            <a:off x="4027650" y="3889336"/>
-            <a:ext cx="1393497" cy="184666"/>
+          <p:cNvPr id="67" name="Object 66"/>
+          <p:cNvSpPr/>
+          <p:nvPr/>
+        </p:nvSpPr>
+        <p:spPr>
+          <a:xfrm>
+            <a:off x="5291177" y="2668633"/>
+            <a:ext cx="868680" cy="184666"/>
           </a:xfrm>
           <a:prstGeom prst="rect">
             <a:avLst/>
@@ -6686,7 +6722,7 @@
                 <a:latin typeface="Helvetica" pitchFamily="34" charset="0"/>
                 <a:cs typeface="Helvetica" pitchFamily="34" charset="-120"/>
               </a:rPr>
-              <a:t>CLOUD FOUNDRY </a:t>
+              <a:t>BACKEND </a:t>
             </a:r>
           </a:p>
           <a:p>
@@ -6699,7 +6735,7 @@
                 <a:latin typeface="Helvetica" pitchFamily="34" charset="0"/>
                 <a:cs typeface="Helvetica" pitchFamily="34" charset="-120"/>
               </a:rPr>
-              <a:t>ENTERPRISE ENVIRONMENT</a:t>
+              <a:t>(COBOL)</a:t>
             </a:r>
             <a:endParaRPr lang="en-US" sz="600" b="1" dirty="0">
               <a:solidFill>
@@ -6713,20 +6749,20 @@
       </p:sp>
       <p:sp>
         <p:nvSpPr>
-          <p:cNvPr id="94" name="Rectangle 93"/>
-          <p:cNvSpPr/>
-          <p:nvPr/>
-        </p:nvSpPr>
-        <p:spPr>
-          <a:xfrm>
-            <a:off x="2093032" y="871582"/>
-            <a:ext cx="5343167" cy="3376568"/>
-          </a:xfrm>
-          <a:prstGeom prst="rect">
-            <a:avLst/>
-          </a:prstGeom>
-          <a:noFill/>
-          <a:ln w="12700">
+          <p:cNvPr id="78" name="Rectangle 77"/>
+          <p:cNvSpPr/>
+          <p:nvPr/>
+        </p:nvSpPr>
+        <p:spPr>
+          <a:xfrm>
+            <a:off x="2921201" y="1645920"/>
+            <a:ext cx="1152918" cy="1526422"/>
+          </a:xfrm>
+          <a:prstGeom prst="rect">
+            <a:avLst/>
+          </a:prstGeom>
+          <a:noFill/>
+          <a:ln w="0">
             <a:solidFill>
               <a:srgbClr val="646365"/>
             </a:solidFill>
@@ -6760,97 +6796,10 @@
       </p:sp>
       <p:sp>
         <p:nvSpPr>
-          <p:cNvPr id="72" name="Object 1"/>
-          <p:cNvSpPr/>
-          <p:nvPr/>
-        </p:nvSpPr>
-        <p:spPr>
-          <a:xfrm>
-            <a:off x="1879621" y="4019550"/>
-            <a:ext cx="457200" cy="457200"/>
-          </a:xfrm>
-          <a:prstGeom prst="ellipse">
-            <a:avLst/>
-          </a:prstGeom>
-          <a:solidFill>
-            <a:srgbClr val="FFFFFF"/>
-          </a:solidFill>
-          <a:ln w="19050">
-            <a:solidFill>
-              <a:srgbClr val="646365"/>
-            </a:solidFill>
-            <a:prstDash val="solid"/>
-          </a:ln>
-        </p:spPr>
-      </p:sp>
-      <p:sp>
-        <p:nvSpPr>
-          <p:cNvPr id="74" name="Object 3"/>
-          <p:cNvSpPr/>
-          <p:nvPr/>
-        </p:nvSpPr>
-        <p:spPr>
-          <a:xfrm>
-            <a:off x="1778754" y="4522470"/>
-            <a:ext cx="640080" cy="276999"/>
-          </a:xfrm>
-          <a:prstGeom prst="rect">
-            <a:avLst/>
-          </a:prstGeom>
-          <a:noFill/>
-        </p:spPr>
-        <p:txBody>
-          <a:bodyPr wrap="square" lIns="0" tIns="0" rIns="0" bIns="0" rtlCol="0" anchor="t">
-            <a:spAutoFit/>
-          </a:bodyPr>
-          <a:lstStyle/>
-          <a:p>
-            <a:pPr algn="ctr"/>
-            <a:r>
-              <a:rPr lang="en-US" sz="600" b="1" dirty="0">
-                <a:solidFill>
-                  <a:srgbClr val="646365"/>
-                </a:solidFill>
-                <a:latin typeface="Helvetica" pitchFamily="34" charset="0"/>
-                <a:cs typeface="Helvetica" pitchFamily="34" charset="-120"/>
-              </a:rPr>
-              <a:t>IBM</a:t>
-            </a:r>
-          </a:p>
-          <a:p>
-            <a:pPr algn="ctr"/>
-            <a:r>
-              <a:rPr lang="en-US" sz="600" b="1" dirty="0">
-                <a:solidFill>
-                  <a:srgbClr val="646365"/>
-                </a:solidFill>
-                <a:latin typeface="Helvetica" pitchFamily="34" charset="0"/>
-                <a:cs typeface="Helvetica" pitchFamily="34" charset="-120"/>
-              </a:rPr>
-              <a:t>KUBERNETES</a:t>
-            </a:r>
-          </a:p>
-          <a:p>
-            <a:pPr algn="ctr"/>
-            <a:r>
-              <a:rPr lang="en-US" sz="600" b="1" dirty="0">
-                <a:solidFill>
-                  <a:srgbClr val="646365"/>
-                </a:solidFill>
-                <a:latin typeface="Helvetica" pitchFamily="34" charset="0"/>
-                <a:cs typeface="Helvetica" pitchFamily="34" charset="-120"/>
-              </a:rPr>
-              <a:t>SERVICE</a:t>
-            </a:r>
-          </a:p>
-        </p:txBody>
-      </p:sp>
-      <p:sp>
-        <p:nvSpPr>
-          <p:cNvPr id="98" name="Object 2">
+          <p:cNvPr id="88" name="Object 6">
             <a:extLst>
               <a:ext uri="{FF2B5EF4-FFF2-40B4-BE49-F238E27FC236}">
-                <a16:creationId xmlns="" xmlns:a16="http://schemas.microsoft.com/office/drawing/2014/main" id="{CA015B6E-0BC4-C74F-AB75-0C35952510ED}"/>
+                <a16:creationId xmlns:a16="http://schemas.microsoft.com/office/drawing/2014/main" xmlns="" id="{9024C893-F040-C849-B0C2-FAB89F5BE41C}"/>
               </a:ext>
             </a:extLst>
           </p:cNvPr>
@@ -6858,14 +6807,226 @@
           <p:nvPr/>
         </p:nvSpPr>
         <p:spPr>
-          <a:xfrm flipH="1">
-            <a:off x="1633255" y="2592049"/>
-            <a:ext cx="0" cy="1896813"/>
+          <a:xfrm flipV="1">
+            <a:off x="4136510" y="2415509"/>
+            <a:ext cx="1236579" cy="1711"/>
           </a:xfrm>
           <a:prstGeom prst="line">
             <a:avLst/>
           </a:prstGeom>
           <a:noFill/>
+          <a:ln w="12700">
+            <a:solidFill>
+              <a:schemeClr val="tx1">
+                <a:lumMod val="50000"/>
+                <a:lumOff val="50000"/>
+              </a:schemeClr>
+            </a:solidFill>
+            <a:prstDash val="solid"/>
+            <a:tailEnd type="arrow"/>
+          </a:ln>
+        </p:spPr>
+        <p:txBody>
+          <a:bodyPr/>
+          <a:lstStyle>
+            <a:lvl1pPr marL="0" algn="l" defTabSz="914400" rtl="0" eaLnBrk="1" latinLnBrk="0" hangingPunct="1">
+              <a:defRPr sz="1800" kern="1200">
+                <a:solidFill>
+                  <a:schemeClr val="tx1"/>
+                </a:solidFill>
+                <a:latin typeface="+mn-lt"/>
+                <a:ea typeface="+mn-ea"/>
+                <a:cs typeface="+mn-cs"/>
+              </a:defRPr>
+            </a:lvl1pPr>
+            <a:lvl2pPr marL="457200" algn="l" defTabSz="914400" rtl="0" eaLnBrk="1" latinLnBrk="0" hangingPunct="1">
+              <a:defRPr sz="1800" kern="1200">
+                <a:solidFill>
+                  <a:schemeClr val="tx1"/>
+                </a:solidFill>
+                <a:latin typeface="+mn-lt"/>
+                <a:ea typeface="+mn-ea"/>
+                <a:cs typeface="+mn-cs"/>
+              </a:defRPr>
+            </a:lvl2pPr>
+            <a:lvl3pPr marL="914400" algn="l" defTabSz="914400" rtl="0" eaLnBrk="1" latinLnBrk="0" hangingPunct="1">
+              <a:defRPr sz="1800" kern="1200">
+                <a:solidFill>
+                  <a:schemeClr val="tx1"/>
+                </a:solidFill>
+                <a:latin typeface="+mn-lt"/>
+                <a:ea typeface="+mn-ea"/>
+                <a:cs typeface="+mn-cs"/>
+              </a:defRPr>
+            </a:lvl3pPr>
+            <a:lvl4pPr marL="1371600" algn="l" defTabSz="914400" rtl="0" eaLnBrk="1" latinLnBrk="0" hangingPunct="1">
+              <a:defRPr sz="1800" kern="1200">
+                <a:solidFill>
+                  <a:schemeClr val="tx1"/>
+                </a:solidFill>
+                <a:latin typeface="+mn-lt"/>
+                <a:ea typeface="+mn-ea"/>
+                <a:cs typeface="+mn-cs"/>
+              </a:defRPr>
+            </a:lvl4pPr>
+            <a:lvl5pPr marL="1828800" algn="l" defTabSz="914400" rtl="0" eaLnBrk="1" latinLnBrk="0" hangingPunct="1">
+              <a:defRPr sz="1800" kern="1200">
+                <a:solidFill>
+                  <a:schemeClr val="tx1"/>
+                </a:solidFill>
+                <a:latin typeface="+mn-lt"/>
+                <a:ea typeface="+mn-ea"/>
+                <a:cs typeface="+mn-cs"/>
+              </a:defRPr>
+            </a:lvl5pPr>
+            <a:lvl6pPr marL="2286000" algn="l" defTabSz="914400" rtl="0" eaLnBrk="1" latinLnBrk="0" hangingPunct="1">
+              <a:defRPr sz="1800" kern="1200">
+                <a:solidFill>
+                  <a:schemeClr val="tx1"/>
+                </a:solidFill>
+                <a:latin typeface="+mn-lt"/>
+                <a:ea typeface="+mn-ea"/>
+                <a:cs typeface="+mn-cs"/>
+              </a:defRPr>
+            </a:lvl6pPr>
+            <a:lvl7pPr marL="2743200" algn="l" defTabSz="914400" rtl="0" eaLnBrk="1" latinLnBrk="0" hangingPunct="1">
+              <a:defRPr sz="1800" kern="1200">
+                <a:solidFill>
+                  <a:schemeClr val="tx1"/>
+                </a:solidFill>
+                <a:latin typeface="+mn-lt"/>
+                <a:ea typeface="+mn-ea"/>
+                <a:cs typeface="+mn-cs"/>
+              </a:defRPr>
+            </a:lvl7pPr>
+            <a:lvl8pPr marL="3200400" algn="l" defTabSz="914400" rtl="0" eaLnBrk="1" latinLnBrk="0" hangingPunct="1">
+              <a:defRPr sz="1800" kern="1200">
+                <a:solidFill>
+                  <a:schemeClr val="tx1"/>
+                </a:solidFill>
+                <a:latin typeface="+mn-lt"/>
+                <a:ea typeface="+mn-ea"/>
+                <a:cs typeface="+mn-cs"/>
+              </a:defRPr>
+            </a:lvl8pPr>
+            <a:lvl9pPr marL="3657600" algn="l" defTabSz="914400" rtl="0" eaLnBrk="1" latinLnBrk="0" hangingPunct="1">
+              <a:defRPr sz="1800" kern="1200">
+                <a:solidFill>
+                  <a:schemeClr val="tx1"/>
+                </a:solidFill>
+                <a:latin typeface="+mn-lt"/>
+                <a:ea typeface="+mn-ea"/>
+                <a:cs typeface="+mn-cs"/>
+              </a:defRPr>
+            </a:lvl9pPr>
+          </a:lstStyle>
+          <a:p>
+            <a:endParaRPr sz="2400" dirty="0"/>
+          </a:p>
+        </p:txBody>
+      </p:sp>
+      <p:sp>
+        <p:nvSpPr>
+          <p:cNvPr id="89" name="Object 9"/>
+          <p:cNvSpPr/>
+          <p:nvPr/>
+        </p:nvSpPr>
+        <p:spPr>
+          <a:xfrm>
+            <a:off x="4644954" y="2324073"/>
+            <a:ext cx="182880" cy="182880"/>
+          </a:xfrm>
+          <a:prstGeom prst="ellipse">
+            <a:avLst/>
+          </a:prstGeom>
+          <a:solidFill>
+            <a:srgbClr val="FFFFFF"/>
+          </a:solidFill>
+          <a:ln w="19050">
+            <a:solidFill>
+              <a:srgbClr val="0C755F"/>
+            </a:solidFill>
+            <a:prstDash val="solid"/>
+          </a:ln>
+        </p:spPr>
+      </p:sp>
+      <p:sp>
+        <p:nvSpPr>
+          <p:cNvPr id="95" name="Object 10"/>
+          <p:cNvSpPr/>
+          <p:nvPr/>
+        </p:nvSpPr>
+        <p:spPr>
+          <a:xfrm>
+            <a:off x="4644954" y="2361652"/>
+            <a:ext cx="182880" cy="107722"/>
+          </a:xfrm>
+          <a:prstGeom prst="rect">
+            <a:avLst/>
+          </a:prstGeom>
+          <a:noFill/>
+        </p:spPr>
+        <p:txBody>
+          <a:bodyPr wrap="square" lIns="0" tIns="0" rIns="0" bIns="0" rtlCol="0" anchor="ctr">
+            <a:spAutoFit/>
+          </a:bodyPr>
+          <a:lstStyle/>
+          <a:p>
+            <a:pPr algn="ctr"/>
+            <a:r>
+              <a:rPr lang="en-US" sz="700" b="1" dirty="0">
+                <a:solidFill>
+                  <a:srgbClr val="0C755F"/>
+                </a:solidFill>
+                <a:latin typeface="Helvetica" pitchFamily="34" charset="0"/>
+                <a:cs typeface="Helvetica" pitchFamily="34" charset="-120"/>
+              </a:rPr>
+              <a:t>2</a:t>
+            </a:r>
+          </a:p>
+        </p:txBody>
+      </p:sp>
+      <p:pic>
+        <p:nvPicPr>
+          <p:cNvPr id="99" name="Object 59" descr="public/generated/icons/Application-https%3A%2F%2Fraw.githubusercontent.com%2FIBM-Design%2Ficons%2Fmaster%2Fdist%2Fsvg%2Fobject-based%2Fapplication_64.svg.png"/>
+          <p:cNvPicPr>
+            <a:picLocks noChangeAspect="1"/>
+          </p:cNvPicPr>
+          <p:nvPr/>
+        </p:nvPicPr>
+        <p:blipFill>
+          <a:blip r:embed="rId5" cstate="print"/>
+          <a:stretch>
+            <a:fillRect/>
+          </a:stretch>
+        </p:blipFill>
+        <p:spPr>
+          <a:xfrm>
+            <a:off x="5570283" y="2266218"/>
+            <a:ext cx="274320" cy="274320"/>
+          </a:xfrm>
+          <a:prstGeom prst="rect">
+            <a:avLst/>
+          </a:prstGeom>
+        </p:spPr>
+      </p:pic>
+      <p:sp>
+        <p:nvSpPr>
+          <p:cNvPr id="75" name="Object 95"/>
+          <p:cNvSpPr/>
+          <p:nvPr/>
+        </p:nvSpPr>
+        <p:spPr>
+          <a:xfrm>
+            <a:off x="3253534" y="2933991"/>
+            <a:ext cx="457200" cy="457200"/>
+          </a:xfrm>
+          <a:prstGeom prst="ellipse">
+            <a:avLst/>
+          </a:prstGeom>
+          <a:solidFill>
+            <a:srgbClr val="FFFFFF"/>
+          </a:solidFill>
           <a:ln w="19050">
             <a:solidFill>
               <a:srgbClr val="646365"/>
@@ -6873,11 +7034,47 @@
             <a:prstDash val="solid"/>
           </a:ln>
         </p:spPr>
-        <p:txBody>
-          <a:bodyPr/>
-          <a:lstStyle/>
-          <a:p>
-            <a:endParaRPr lang="en-US"/>
+      </p:sp>
+      <p:sp>
+        <p:nvSpPr>
+          <p:cNvPr id="79" name="Object 3"/>
+          <p:cNvSpPr/>
+          <p:nvPr/>
+        </p:nvSpPr>
+        <p:spPr>
+          <a:xfrm>
+            <a:off x="2921200" y="3607267"/>
+            <a:ext cx="1152919" cy="92333"/>
+          </a:xfrm>
+          <a:prstGeom prst="rect">
+            <a:avLst/>
+          </a:prstGeom>
+          <a:noFill/>
+        </p:spPr>
+        <p:txBody>
+          <a:bodyPr wrap="square" lIns="0" tIns="0" rIns="0" bIns="0" rtlCol="0" anchor="t">
+            <a:spAutoFit/>
+          </a:bodyPr>
+          <a:lstStyle/>
+          <a:p>
+            <a:pPr algn="ctr"/>
+            <a:r>
+              <a:rPr lang="en-US" sz="600" b="1" dirty="0" smtClean="0">
+                <a:solidFill>
+                  <a:srgbClr val="646365"/>
+                </a:solidFill>
+                <a:latin typeface="Helvetica" pitchFamily="34" charset="0"/>
+                <a:cs typeface="Helvetica" pitchFamily="34" charset="-120"/>
+              </a:rPr>
+              <a:t>CFEE WITH EIRINI</a:t>
+            </a:r>
+            <a:endParaRPr lang="en-US" sz="600" b="1" dirty="0">
+              <a:solidFill>
+                <a:srgbClr val="646365"/>
+              </a:solidFill>
+              <a:latin typeface="Helvetica" pitchFamily="34" charset="0"/>
+              <a:cs typeface="Helvetica" pitchFamily="34" charset="-120"/>
+            </a:endParaRPr>
           </a:p>
         </p:txBody>
       </p:sp>
@@ -6890,7 +7087,7 @@
           <p:nvPr/>
         </p:nvPicPr>
         <p:blipFill>
-          <a:blip r:embed="rId5">
+          <a:blip r:embed="rId6">
             <a:extLst>
               <a:ext uri="{28A0092B-C50C-407E-A947-70E740481C1C}">
                 <a14:useLocalDpi xmlns:a14="http://schemas.microsoft.com/office/drawing/2010/main" val="0"/>
@@ -6903,7 +7100,7 @@
         </p:blipFill>
         <p:spPr>
           <a:xfrm>
-            <a:off x="4536279" y="3444236"/>
+            <a:off x="3329734" y="2999715"/>
             <a:ext cx="304800" cy="304800"/>
           </a:xfrm>
           <a:prstGeom prst="rect">
@@ -6913,39 +7110,14 @@
       </p:pic>
       <p:sp>
         <p:nvSpPr>
-          <p:cNvPr id="55" name="Object 95"/>
-          <p:cNvSpPr/>
-          <p:nvPr/>
-        </p:nvSpPr>
-        <p:spPr>
-          <a:xfrm>
-            <a:off x="5670778" y="2179698"/>
-            <a:ext cx="457200" cy="457200"/>
-          </a:xfrm>
-          <a:prstGeom prst="ellipse">
-            <a:avLst/>
-          </a:prstGeom>
-          <a:solidFill>
-            <a:srgbClr val="FFFFFF"/>
-          </a:solidFill>
-          <a:ln w="19050">
-            <a:solidFill>
-              <a:srgbClr val="646365"/>
-            </a:solidFill>
-            <a:prstDash val="solid"/>
-          </a:ln>
-        </p:spPr>
-      </p:sp>
-      <p:sp>
-        <p:nvSpPr>
-          <p:cNvPr id="67" name="Object 66"/>
-          <p:cNvSpPr/>
-          <p:nvPr/>
-        </p:nvSpPr>
-        <p:spPr>
-          <a:xfrm>
-            <a:off x="5483112" y="2671409"/>
-            <a:ext cx="868680" cy="184666"/>
+          <p:cNvPr id="34" name="Object 3"/>
+          <p:cNvSpPr/>
+          <p:nvPr/>
+        </p:nvSpPr>
+        <p:spPr>
+          <a:xfrm>
+            <a:off x="1763565" y="4203243"/>
+            <a:ext cx="640080" cy="184666"/>
           </a:xfrm>
           <a:prstGeom prst="rect">
             <a:avLst/>
@@ -6967,20 +7139,7 @@
                 <a:latin typeface="Helvetica" pitchFamily="34" charset="0"/>
                 <a:cs typeface="Helvetica" pitchFamily="34" charset="-120"/>
               </a:rPr>
-              <a:t>BACKEND </a:t>
-            </a:r>
-          </a:p>
-          <a:p>
-            <a:pPr algn="ctr"/>
-            <a:r>
-              <a:rPr lang="en-US" sz="600" b="1" dirty="0" smtClean="0">
-                <a:solidFill>
-                  <a:srgbClr val="646365"/>
-                </a:solidFill>
-                <a:latin typeface="Helvetica" pitchFamily="34" charset="0"/>
-                <a:cs typeface="Helvetica" pitchFamily="34" charset="-120"/>
-              </a:rPr>
-              <a:t>(COBOL)</a:t>
+              <a:t>KUBERNETES</a:t>
             </a:r>
             <a:endParaRPr lang="en-US" sz="600" b="1" dirty="0">
               <a:solidFill>
@@ -6990,32 +7149,78 @@
               <a:cs typeface="Helvetica" pitchFamily="34" charset="-120"/>
             </a:endParaRPr>
           </a:p>
+          <a:p>
+            <a:pPr algn="ctr"/>
+            <a:r>
+              <a:rPr lang="en-US" sz="600" b="1" dirty="0" smtClean="0">
+                <a:solidFill>
+                  <a:srgbClr val="646365"/>
+                </a:solidFill>
+                <a:latin typeface="Helvetica" pitchFamily="34" charset="0"/>
+                <a:cs typeface="Helvetica" pitchFamily="34" charset="-120"/>
+              </a:rPr>
+              <a:t>CLUSTER</a:t>
+            </a:r>
+            <a:endParaRPr lang="en-US" sz="600" b="1" dirty="0">
+              <a:solidFill>
+                <a:srgbClr val="646365"/>
+              </a:solidFill>
+              <a:latin typeface="Helvetica" pitchFamily="34" charset="0"/>
+              <a:cs typeface="Helvetica" pitchFamily="34" charset="-120"/>
+            </a:endParaRPr>
+          </a:p>
+        </p:txBody>
+      </p:sp>
+      <p:sp>
+        <p:nvSpPr>
+          <p:cNvPr id="35" name="Object 1"/>
+          <p:cNvSpPr/>
+          <p:nvPr/>
+        </p:nvSpPr>
+        <p:spPr>
+          <a:xfrm>
+            <a:off x="1864432" y="3700323"/>
+            <a:ext cx="457200" cy="457200"/>
+          </a:xfrm>
+          <a:prstGeom prst="ellipse">
+            <a:avLst/>
+          </a:prstGeom>
+          <a:solidFill>
+            <a:srgbClr val="FFFFFF"/>
+          </a:solidFill>
+          <a:ln w="19050">
+            <a:solidFill>
+              <a:srgbClr val="646365"/>
+            </a:solidFill>
+            <a:prstDash val="solid"/>
+          </a:ln>
+        </p:spPr>
+        <p:txBody>
+          <a:bodyPr/>
+          <a:lstStyle/>
+          <a:p>
+            <a:endParaRPr lang="en-US" dirty="0"/>
+          </a:p>
         </p:txBody>
       </p:sp>
       <p:pic>
         <p:nvPicPr>
-          <p:cNvPr id="6" name="Picture 5">
-            <a:extLst>
-              <a:ext uri="{FF2B5EF4-FFF2-40B4-BE49-F238E27FC236}">
-                <a16:creationId xmlns="" xmlns:a16="http://schemas.microsoft.com/office/drawing/2014/main" id="{684E0909-DE41-9F4B-8CEC-7E471F29BC06}"/>
-              </a:ext>
-            </a:extLst>
-          </p:cNvPr>
+          <p:cNvPr id="36" name="Object 2" descr="public/generated/icons/Kubernetes-https%3A%2F%2Face-resources-production-red.cdn.eu-gb.s-bluemix.net%2Fresources%2Fcache%2F14ee-1854984818%2Fimages%2Fclusters%2Fkubernetes-logo.svg.png"/>
           <p:cNvPicPr>
             <a:picLocks noChangeAspect="1"/>
           </p:cNvPicPr>
           <p:nvPr/>
         </p:nvPicPr>
         <p:blipFill>
-          <a:blip r:embed="rId6"/>
+          <a:blip r:embed="rId7" cstate="print"/>
           <a:stretch>
             <a:fillRect/>
           </a:stretch>
         </p:blipFill>
         <p:spPr>
           <a:xfrm>
-            <a:off x="1958489" y="4091235"/>
-            <a:ext cx="279787" cy="333080"/>
+            <a:off x="1955872" y="3794910"/>
+            <a:ext cx="274320" cy="274320"/>
           </a:xfrm>
           <a:prstGeom prst="rect">
             <a:avLst/>
@@ -7031,278 +7236,15 @@
           <p:nvPr/>
         </p:nvPicPr>
         <p:blipFill>
-          <a:blip r:embed="rId7"/>
+          <a:blip r:embed="rId8"/>
           <a:stretch>
             <a:fillRect/>
           </a:stretch>
         </p:blipFill>
         <p:spPr>
           <a:xfrm>
-            <a:off x="4341975" y="1212815"/>
-            <a:ext cx="693407" cy="263238"/>
-          </a:xfrm>
-          <a:prstGeom prst="rect">
-            <a:avLst/>
-          </a:prstGeom>
-        </p:spPr>
-      </p:pic>
-      <p:sp>
-        <p:nvSpPr>
-          <p:cNvPr id="78" name="Rectangle 77"/>
-          <p:cNvSpPr/>
-          <p:nvPr/>
-        </p:nvSpPr>
-        <p:spPr>
-          <a:xfrm>
-            <a:off x="3008662" y="1711210"/>
-            <a:ext cx="1152918" cy="1461132"/>
-          </a:xfrm>
-          <a:prstGeom prst="rect">
-            <a:avLst/>
-          </a:prstGeom>
-          <a:noFill/>
-          <a:ln w="0">
-            <a:solidFill>
-              <a:srgbClr val="646365"/>
-            </a:solidFill>
-            <a:prstDash val="solid"/>
-          </a:ln>
-        </p:spPr>
-        <p:style>
-          <a:lnRef idx="2">
-            <a:schemeClr val="accent1">
-              <a:shade val="50000"/>
-            </a:schemeClr>
-          </a:lnRef>
-          <a:fillRef idx="1">
-            <a:schemeClr val="accent1"/>
-          </a:fillRef>
-          <a:effectRef idx="0">
-            <a:schemeClr val="accent1"/>
-          </a:effectRef>
-          <a:fontRef idx="minor">
-            <a:schemeClr val="lt1"/>
-          </a:fontRef>
-        </p:style>
-        <p:txBody>
-          <a:bodyPr rtlCol="0" anchor="ctr"/>
-          <a:lstStyle/>
-          <a:p>
-            <a:pPr algn="ctr"/>
-            <a:endParaRPr lang="en-US"/>
-          </a:p>
-        </p:txBody>
-      </p:sp>
-      <p:sp>
-        <p:nvSpPr>
-          <p:cNvPr id="88" name="Object 6">
-            <a:extLst>
-              <a:ext uri="{FF2B5EF4-FFF2-40B4-BE49-F238E27FC236}">
-                <a16:creationId xmlns="" xmlns:a16="http://schemas.microsoft.com/office/drawing/2014/main" id="{9024C893-F040-C849-B0C2-FAB89F5BE41C}"/>
-              </a:ext>
-            </a:extLst>
-          </p:cNvPr>
-          <p:cNvSpPr/>
-          <p:nvPr/>
-        </p:nvSpPr>
-        <p:spPr>
-          <a:xfrm flipV="1">
-            <a:off x="4296123" y="2415509"/>
-            <a:ext cx="1236579" cy="1711"/>
-          </a:xfrm>
-          <a:prstGeom prst="line">
-            <a:avLst/>
-          </a:prstGeom>
-          <a:noFill/>
-          <a:ln w="12700">
-            <a:solidFill>
-              <a:schemeClr val="tx1">
-                <a:lumMod val="50000"/>
-                <a:lumOff val="50000"/>
-              </a:schemeClr>
-            </a:solidFill>
-            <a:prstDash val="solid"/>
-            <a:tailEnd type="arrow"/>
-          </a:ln>
-        </p:spPr>
-        <p:txBody>
-          <a:bodyPr/>
-          <a:lstStyle>
-            <a:lvl1pPr marL="0" algn="l" defTabSz="914400" rtl="0" eaLnBrk="1" latinLnBrk="0" hangingPunct="1">
-              <a:defRPr sz="1800" kern="1200">
-                <a:solidFill>
-                  <a:schemeClr val="tx1"/>
-                </a:solidFill>
-                <a:latin typeface="+mn-lt"/>
-                <a:ea typeface="+mn-ea"/>
-                <a:cs typeface="+mn-cs"/>
-              </a:defRPr>
-            </a:lvl1pPr>
-            <a:lvl2pPr marL="457200" algn="l" defTabSz="914400" rtl="0" eaLnBrk="1" latinLnBrk="0" hangingPunct="1">
-              <a:defRPr sz="1800" kern="1200">
-                <a:solidFill>
-                  <a:schemeClr val="tx1"/>
-                </a:solidFill>
-                <a:latin typeface="+mn-lt"/>
-                <a:ea typeface="+mn-ea"/>
-                <a:cs typeface="+mn-cs"/>
-              </a:defRPr>
-            </a:lvl2pPr>
-            <a:lvl3pPr marL="914400" algn="l" defTabSz="914400" rtl="0" eaLnBrk="1" latinLnBrk="0" hangingPunct="1">
-              <a:defRPr sz="1800" kern="1200">
-                <a:solidFill>
-                  <a:schemeClr val="tx1"/>
-                </a:solidFill>
-                <a:latin typeface="+mn-lt"/>
-                <a:ea typeface="+mn-ea"/>
-                <a:cs typeface="+mn-cs"/>
-              </a:defRPr>
-            </a:lvl3pPr>
-            <a:lvl4pPr marL="1371600" algn="l" defTabSz="914400" rtl="0" eaLnBrk="1" latinLnBrk="0" hangingPunct="1">
-              <a:defRPr sz="1800" kern="1200">
-                <a:solidFill>
-                  <a:schemeClr val="tx1"/>
-                </a:solidFill>
-                <a:latin typeface="+mn-lt"/>
-                <a:ea typeface="+mn-ea"/>
-                <a:cs typeface="+mn-cs"/>
-              </a:defRPr>
-            </a:lvl4pPr>
-            <a:lvl5pPr marL="1828800" algn="l" defTabSz="914400" rtl="0" eaLnBrk="1" latinLnBrk="0" hangingPunct="1">
-              <a:defRPr sz="1800" kern="1200">
-                <a:solidFill>
-                  <a:schemeClr val="tx1"/>
-                </a:solidFill>
-                <a:latin typeface="+mn-lt"/>
-                <a:ea typeface="+mn-ea"/>
-                <a:cs typeface="+mn-cs"/>
-              </a:defRPr>
-            </a:lvl5pPr>
-            <a:lvl6pPr marL="2286000" algn="l" defTabSz="914400" rtl="0" eaLnBrk="1" latinLnBrk="0" hangingPunct="1">
-              <a:defRPr sz="1800" kern="1200">
-                <a:solidFill>
-                  <a:schemeClr val="tx1"/>
-                </a:solidFill>
-                <a:latin typeface="+mn-lt"/>
-                <a:ea typeface="+mn-ea"/>
-                <a:cs typeface="+mn-cs"/>
-              </a:defRPr>
-            </a:lvl6pPr>
-            <a:lvl7pPr marL="2743200" algn="l" defTabSz="914400" rtl="0" eaLnBrk="1" latinLnBrk="0" hangingPunct="1">
-              <a:defRPr sz="1800" kern="1200">
-                <a:solidFill>
-                  <a:schemeClr val="tx1"/>
-                </a:solidFill>
-                <a:latin typeface="+mn-lt"/>
-                <a:ea typeface="+mn-ea"/>
-                <a:cs typeface="+mn-cs"/>
-              </a:defRPr>
-            </a:lvl7pPr>
-            <a:lvl8pPr marL="3200400" algn="l" defTabSz="914400" rtl="0" eaLnBrk="1" latinLnBrk="0" hangingPunct="1">
-              <a:defRPr sz="1800" kern="1200">
-                <a:solidFill>
-                  <a:schemeClr val="tx1"/>
-                </a:solidFill>
-                <a:latin typeface="+mn-lt"/>
-                <a:ea typeface="+mn-ea"/>
-                <a:cs typeface="+mn-cs"/>
-              </a:defRPr>
-            </a:lvl8pPr>
-            <a:lvl9pPr marL="3657600" algn="l" defTabSz="914400" rtl="0" eaLnBrk="1" latinLnBrk="0" hangingPunct="1">
-              <a:defRPr sz="1800" kern="1200">
-                <a:solidFill>
-                  <a:schemeClr val="tx1"/>
-                </a:solidFill>
-                <a:latin typeface="+mn-lt"/>
-                <a:ea typeface="+mn-ea"/>
-                <a:cs typeface="+mn-cs"/>
-              </a:defRPr>
-            </a:lvl9pPr>
-          </a:lstStyle>
-          <a:p>
-            <a:endParaRPr sz="2400" dirty="0"/>
-          </a:p>
-        </p:txBody>
-      </p:sp>
-      <p:sp>
-        <p:nvSpPr>
-          <p:cNvPr id="89" name="Object 9"/>
-          <p:cNvSpPr/>
-          <p:nvPr/>
-        </p:nvSpPr>
-        <p:spPr>
-          <a:xfrm>
-            <a:off x="4824739" y="2324073"/>
-            <a:ext cx="182880" cy="182880"/>
-          </a:xfrm>
-          <a:prstGeom prst="ellipse">
-            <a:avLst/>
-          </a:prstGeom>
-          <a:solidFill>
-            <a:srgbClr val="FFFFFF"/>
-          </a:solidFill>
-          <a:ln w="19050">
-            <a:solidFill>
-              <a:srgbClr val="0C755F"/>
-            </a:solidFill>
-            <a:prstDash val="solid"/>
-          </a:ln>
-        </p:spPr>
-      </p:sp>
-      <p:sp>
-        <p:nvSpPr>
-          <p:cNvPr id="95" name="Object 10"/>
-          <p:cNvSpPr/>
-          <p:nvPr/>
-        </p:nvSpPr>
-        <p:spPr>
-          <a:xfrm>
-            <a:off x="4824739" y="2361652"/>
-            <a:ext cx="182880" cy="107722"/>
-          </a:xfrm>
-          <a:prstGeom prst="rect">
-            <a:avLst/>
-          </a:prstGeom>
-          <a:noFill/>
-        </p:spPr>
-        <p:txBody>
-          <a:bodyPr wrap="square" lIns="0" tIns="0" rIns="0" bIns="0" rtlCol="0" anchor="ctr">
-            <a:spAutoFit/>
-          </a:bodyPr>
-          <a:lstStyle/>
-          <a:p>
-            <a:pPr algn="ctr"/>
-            <a:r>
-              <a:rPr lang="en-US" sz="700" b="1" dirty="0">
-                <a:solidFill>
-                  <a:srgbClr val="0C755F"/>
-                </a:solidFill>
-                <a:latin typeface="Helvetica" pitchFamily="34" charset="0"/>
-                <a:cs typeface="Helvetica" pitchFamily="34" charset="-120"/>
-              </a:rPr>
-              <a:t>2</a:t>
-            </a:r>
-          </a:p>
-        </p:txBody>
-      </p:sp>
-      <p:pic>
-        <p:nvPicPr>
-          <p:cNvPr id="99" name="Object 59" descr="public/generated/icons/Application-https%3A%2F%2Fraw.githubusercontent.com%2FIBM-Design%2Ficons%2Fmaster%2Fdist%2Fsvg%2Fobject-based%2Fapplication_64.svg.png"/>
-          <p:cNvPicPr>
-            <a:picLocks noChangeAspect="1"/>
-          </p:cNvPicPr>
-          <p:nvPr/>
-        </p:nvPicPr>
-        <p:blipFill>
-          <a:blip r:embed="rId8" cstate="print"/>
-          <a:stretch>
-            <a:fillRect/>
-          </a:stretch>
-        </p:blipFill>
-        <p:spPr>
-          <a:xfrm>
-            <a:off x="5762218" y="2268994"/>
-            <a:ext cx="274320" cy="274320"/>
+            <a:off x="3263063" y="3408027"/>
+            <a:ext cx="438142" cy="166333"/>
           </a:xfrm>
           <a:prstGeom prst="rect">
             <a:avLst/>
@@ -10242,7 +10184,7 @@
           <p:cNvPr id="110" name="Group 109">
             <a:extLst>
               <a:ext uri="{FF2B5EF4-FFF2-40B4-BE49-F238E27FC236}">
-                <a16:creationId xmlns="" xmlns:a16="http://schemas.microsoft.com/office/drawing/2014/main" id="{86F598AE-88BA-8242-A804-3ABB590CB9DC}"/>
+                <a16:creationId xmlns:a16="http://schemas.microsoft.com/office/drawing/2014/main" xmlns="" id="{86F598AE-88BA-8242-A804-3ABB590CB9DC}"/>
               </a:ext>
             </a:extLst>
           </p:cNvPr>
@@ -24656,7 +24598,7 @@
           <p:cNvPr id="111" name="Group 110">
             <a:extLst>
               <a:ext uri="{FF2B5EF4-FFF2-40B4-BE49-F238E27FC236}">
-                <a16:creationId xmlns="" xmlns:a16="http://schemas.microsoft.com/office/drawing/2014/main" id="{9B3B9FB1-4A7B-A34C-A081-56FE37FB5755}"/>
+                <a16:creationId xmlns:a16="http://schemas.microsoft.com/office/drawing/2014/main" xmlns="" id="{9B3B9FB1-4A7B-A34C-A081-56FE37FB5755}"/>
               </a:ext>
             </a:extLst>
           </p:cNvPr>
@@ -26122,7 +26064,7 @@
           <p:cNvPr id="110" name="Group 109">
             <a:extLst>
               <a:ext uri="{FF2B5EF4-FFF2-40B4-BE49-F238E27FC236}">
-                <a16:creationId xmlns="" xmlns:a16="http://schemas.microsoft.com/office/drawing/2014/main" id="{F8F6205F-2CD9-F145-BFA8-E9794907E624}"/>
+                <a16:creationId xmlns:a16="http://schemas.microsoft.com/office/drawing/2014/main" xmlns="" id="{F8F6205F-2CD9-F145-BFA8-E9794907E624}"/>
               </a:ext>
             </a:extLst>
           </p:cNvPr>
